--- a/2022/11-ir-expr-control/figs/figs.pptx
+++ b/2022/11-ir-expr-control/figs/figs.pptx
@@ -6,6 +6,7 @@
   </p:sldMasterIdLst>
   <p:sldIdLst>
     <p:sldId id="256" r:id="rId2"/>
+    <p:sldId id="257" r:id="rId3"/>
   </p:sldIdLst>
   <p:sldSz cx="12192000" cy="6858000"/>
   <p:notesSz cx="6858000" cy="9144000"/>
@@ -3432,6 +3433,180 @@
 </p:sld>
 </file>
 
+<file path=ppt/slides/slide2.xml><?xml version="1.0" encoding="utf-8"?>
+<p:sld xmlns:a="http://schemas.openxmlformats.org/drawingml/2006/main" xmlns:r="http://schemas.openxmlformats.org/officeDocument/2006/relationships" xmlns:p="http://schemas.openxmlformats.org/presentationml/2006/main">
+  <p:cSld>
+    <p:spTree>
+      <p:nvGrpSpPr>
+        <p:cNvPr id="1" name=""/>
+        <p:cNvGrpSpPr/>
+        <p:nvPr/>
+      </p:nvGrpSpPr>
+      <p:grpSpPr>
+        <a:xfrm>
+          <a:off x="0" y="0"/>
+          <a:ext cx="0" cy="0"/>
+          <a:chOff x="0" y="0"/>
+          <a:chExt cx="0" cy="0"/>
+        </a:xfrm>
+      </p:grpSpPr>
+      <p:pic>
+        <p:nvPicPr>
+          <p:cNvPr id="3" name="图片 2">
+            <a:extLst>
+              <a:ext uri="{FF2B5EF4-FFF2-40B4-BE49-F238E27FC236}">
+                <a16:creationId xmlns:a16="http://schemas.microsoft.com/office/drawing/2014/main" id="{B7B0419D-320A-554B-EF44-03437FBE8AFB}"/>
+              </a:ext>
+            </a:extLst>
+          </p:cNvPr>
+          <p:cNvPicPr>
+            <a:picLocks noChangeAspect="1"/>
+          </p:cNvPicPr>
+          <p:nvPr/>
+        </p:nvPicPr>
+        <p:blipFill>
+          <a:blip r:embed="rId2">
+            <a:extLst>
+              <a:ext uri="{28A0092B-C50C-407E-A947-70E740481C1C}">
+                <a14:useLocalDpi xmlns:a14="http://schemas.microsoft.com/office/drawing/2010/main" val="0"/>
+              </a:ext>
+            </a:extLst>
+          </a:blip>
+          <a:stretch>
+            <a:fillRect/>
+          </a:stretch>
+        </p:blipFill>
+        <p:spPr>
+          <a:xfrm>
+            <a:off x="2348347" y="463103"/>
+            <a:ext cx="3482964" cy="2357572"/>
+          </a:xfrm>
+          <a:prstGeom prst="rect">
+            <a:avLst/>
+          </a:prstGeom>
+        </p:spPr>
+      </p:pic>
+      <p:pic>
+        <p:nvPicPr>
+          <p:cNvPr id="5" name="图片 4">
+            <a:extLst>
+              <a:ext uri="{FF2B5EF4-FFF2-40B4-BE49-F238E27FC236}">
+                <a16:creationId xmlns:a16="http://schemas.microsoft.com/office/drawing/2014/main" id="{E0AABFBD-045F-0ABD-6A58-06F5AAF4864B}"/>
+              </a:ext>
+            </a:extLst>
+          </p:cNvPr>
+          <p:cNvPicPr>
+            <a:picLocks noChangeAspect="1"/>
+          </p:cNvPicPr>
+          <p:nvPr/>
+        </p:nvPicPr>
+        <p:blipFill>
+          <a:blip r:embed="rId3">
+            <a:extLst>
+              <a:ext uri="{28A0092B-C50C-407E-A947-70E740481C1C}">
+                <a14:useLocalDpi xmlns:a14="http://schemas.microsoft.com/office/drawing/2010/main" val="0"/>
+              </a:ext>
+            </a:extLst>
+          </a:blip>
+          <a:stretch>
+            <a:fillRect/>
+          </a:stretch>
+        </p:blipFill>
+        <p:spPr>
+          <a:xfrm>
+            <a:off x="6096000" y="3702644"/>
+            <a:ext cx="3520602" cy="3065692"/>
+          </a:xfrm>
+          <a:prstGeom prst="rect">
+            <a:avLst/>
+          </a:prstGeom>
+        </p:spPr>
+      </p:pic>
+      <p:pic>
+        <p:nvPicPr>
+          <p:cNvPr id="7" name="图片 6">
+            <a:extLst>
+              <a:ext uri="{FF2B5EF4-FFF2-40B4-BE49-F238E27FC236}">
+                <a16:creationId xmlns:a16="http://schemas.microsoft.com/office/drawing/2014/main" id="{93659F22-7165-A278-252C-591C28ADBF4E}"/>
+              </a:ext>
+            </a:extLst>
+          </p:cNvPr>
+          <p:cNvPicPr>
+            <a:picLocks noChangeAspect="1"/>
+          </p:cNvPicPr>
+          <p:nvPr/>
+        </p:nvPicPr>
+        <p:blipFill>
+          <a:blip r:embed="rId4">
+            <a:extLst>
+              <a:ext uri="{28A0092B-C50C-407E-A947-70E740481C1C}">
+                <a14:useLocalDpi xmlns:a14="http://schemas.microsoft.com/office/drawing/2010/main" val="0"/>
+              </a:ext>
+            </a:extLst>
+          </a:blip>
+          <a:stretch>
+            <a:fillRect/>
+          </a:stretch>
+        </p:blipFill>
+        <p:spPr>
+          <a:xfrm>
+            <a:off x="2241878" y="3042866"/>
+            <a:ext cx="3695902" cy="3725470"/>
+          </a:xfrm>
+          <a:prstGeom prst="rect">
+            <a:avLst/>
+          </a:prstGeom>
+        </p:spPr>
+      </p:pic>
+      <p:pic>
+        <p:nvPicPr>
+          <p:cNvPr id="9" name="图片 8">
+            <a:extLst>
+              <a:ext uri="{FF2B5EF4-FFF2-40B4-BE49-F238E27FC236}">
+                <a16:creationId xmlns:a16="http://schemas.microsoft.com/office/drawing/2014/main" id="{452EFE63-8D9A-4449-5206-0025539FDB70}"/>
+              </a:ext>
+            </a:extLst>
+          </p:cNvPr>
+          <p:cNvPicPr>
+            <a:picLocks noChangeAspect="1"/>
+          </p:cNvPicPr>
+          <p:nvPr/>
+        </p:nvPicPr>
+        <p:blipFill>
+          <a:blip r:embed="rId5">
+            <a:extLst>
+              <a:ext uri="{28A0092B-C50C-407E-A947-70E740481C1C}">
+                <a14:useLocalDpi xmlns:a14="http://schemas.microsoft.com/office/drawing/2010/main" val="0"/>
+              </a:ext>
+            </a:extLst>
+          </a:blip>
+          <a:stretch>
+            <a:fillRect/>
+          </a:stretch>
+        </p:blipFill>
+        <p:spPr>
+          <a:xfrm>
+            <a:off x="6096000" y="197023"/>
+            <a:ext cx="3520602" cy="3349578"/>
+          </a:xfrm>
+          <a:prstGeom prst="rect">
+            <a:avLst/>
+          </a:prstGeom>
+        </p:spPr>
+      </p:pic>
+    </p:spTree>
+    <p:extLst>
+      <p:ext uri="{BB962C8B-B14F-4D97-AF65-F5344CB8AC3E}">
+        <p14:creationId xmlns:p14="http://schemas.microsoft.com/office/powerpoint/2010/main" val="3663284630"/>
+      </p:ext>
+    </p:extLst>
+  </p:cSld>
+  <p:clrMapOvr>
+    <a:masterClrMapping/>
+  </p:clrMapOvr>
+</p:sld>
+</file>
+
 <file path=ppt/theme/theme1.xml><?xml version="1.0" encoding="utf-8"?>
 <a:theme xmlns:a="http://schemas.openxmlformats.org/drawingml/2006/main" name="Office 主题​​">
   <a:themeElements>

--- a/2022/11-ir-expr-control/figs/figs.pptx
+++ b/2022/11-ir-expr-control/figs/figs.pptx
@@ -7,6 +7,9 @@
   <p:sldIdLst>
     <p:sldId id="256" r:id="rId2"/>
     <p:sldId id="257" r:id="rId3"/>
+    <p:sldId id="259" r:id="rId4"/>
+    <p:sldId id="258" r:id="rId5"/>
+    <p:sldId id="260" r:id="rId6"/>
   </p:sldIdLst>
   <p:sldSz cx="12192000" cy="6858000"/>
   <p:notesSz cx="6858000" cy="9144000"/>
@@ -3450,154 +3453,709 @@
           <a:chExt cx="0" cy="0"/>
         </a:xfrm>
       </p:grpSpPr>
-      <p:pic>
-        <p:nvPicPr>
-          <p:cNvPr id="3" name="图片 2">
-            <a:extLst>
-              <a:ext uri="{FF2B5EF4-FFF2-40B4-BE49-F238E27FC236}">
-                <a16:creationId xmlns:a16="http://schemas.microsoft.com/office/drawing/2014/main" id="{B7B0419D-320A-554B-EF44-03437FBE8AFB}"/>
-              </a:ext>
-            </a:extLst>
-          </p:cNvPr>
-          <p:cNvPicPr>
-            <a:picLocks noChangeAspect="1"/>
-          </p:cNvPicPr>
+      <p:grpSp>
+        <p:nvGrpSpPr>
+          <p:cNvPr id="10" name="组合 9">
+            <a:extLst>
+              <a:ext uri="{FF2B5EF4-FFF2-40B4-BE49-F238E27FC236}">
+                <a16:creationId xmlns:a16="http://schemas.microsoft.com/office/drawing/2014/main" id="{59462924-354B-0C4C-EA7E-C81337F2FDC3}"/>
+              </a:ext>
+            </a:extLst>
+          </p:cNvPr>
+          <p:cNvGrpSpPr/>
           <p:nvPr/>
-        </p:nvPicPr>
-        <p:blipFill>
-          <a:blip r:embed="rId2">
-            <a:extLst>
-              <a:ext uri="{28A0092B-C50C-407E-A947-70E740481C1C}">
-                <a14:useLocalDpi xmlns:a14="http://schemas.microsoft.com/office/drawing/2010/main" val="0"/>
-              </a:ext>
-            </a:extLst>
-          </a:blip>
-          <a:stretch>
-            <a:fillRect/>
-          </a:stretch>
-        </p:blipFill>
-        <p:spPr>
+        </p:nvGrpSpPr>
+        <p:grpSpPr>
           <a:xfrm>
-            <a:off x="2348347" y="463103"/>
-            <a:ext cx="3482964" cy="2357572"/>
+            <a:off x="2241878" y="197023"/>
+            <a:ext cx="7374724" cy="6571313"/>
+            <a:chOff x="2241878" y="197023"/>
+            <a:chExt cx="7374724" cy="6571313"/>
           </a:xfrm>
-          <a:prstGeom prst="rect">
-            <a:avLst/>
-          </a:prstGeom>
-        </p:spPr>
-      </p:pic>
-      <p:pic>
-        <p:nvPicPr>
-          <p:cNvPr id="5" name="图片 4">
-            <a:extLst>
-              <a:ext uri="{FF2B5EF4-FFF2-40B4-BE49-F238E27FC236}">
-                <a16:creationId xmlns:a16="http://schemas.microsoft.com/office/drawing/2014/main" id="{E0AABFBD-045F-0ABD-6A58-06F5AAF4864B}"/>
-              </a:ext>
-            </a:extLst>
-          </p:cNvPr>
-          <p:cNvPicPr>
-            <a:picLocks noChangeAspect="1"/>
-          </p:cNvPicPr>
-          <p:nvPr/>
-        </p:nvPicPr>
-        <p:blipFill>
-          <a:blip r:embed="rId3">
-            <a:extLst>
-              <a:ext uri="{28A0092B-C50C-407E-A947-70E740481C1C}">
-                <a14:useLocalDpi xmlns:a14="http://schemas.microsoft.com/office/drawing/2010/main" val="0"/>
-              </a:ext>
-            </a:extLst>
-          </a:blip>
-          <a:stretch>
-            <a:fillRect/>
-          </a:stretch>
-        </p:blipFill>
-        <p:spPr>
-          <a:xfrm>
-            <a:off x="6096000" y="3702644"/>
-            <a:ext cx="3520602" cy="3065692"/>
-          </a:xfrm>
-          <a:prstGeom prst="rect">
-            <a:avLst/>
-          </a:prstGeom>
-        </p:spPr>
-      </p:pic>
-      <p:pic>
-        <p:nvPicPr>
-          <p:cNvPr id="7" name="图片 6">
-            <a:extLst>
-              <a:ext uri="{FF2B5EF4-FFF2-40B4-BE49-F238E27FC236}">
-                <a16:creationId xmlns:a16="http://schemas.microsoft.com/office/drawing/2014/main" id="{93659F22-7165-A278-252C-591C28ADBF4E}"/>
-              </a:ext>
-            </a:extLst>
-          </p:cNvPr>
-          <p:cNvPicPr>
-            <a:picLocks noChangeAspect="1"/>
-          </p:cNvPicPr>
-          <p:nvPr/>
-        </p:nvPicPr>
-        <p:blipFill>
-          <a:blip r:embed="rId4">
-            <a:extLst>
-              <a:ext uri="{28A0092B-C50C-407E-A947-70E740481C1C}">
-                <a14:useLocalDpi xmlns:a14="http://schemas.microsoft.com/office/drawing/2010/main" val="0"/>
-              </a:ext>
-            </a:extLst>
-          </a:blip>
-          <a:stretch>
-            <a:fillRect/>
-          </a:stretch>
-        </p:blipFill>
-        <p:spPr>
-          <a:xfrm>
-            <a:off x="2241878" y="3042866"/>
-            <a:ext cx="3695902" cy="3725470"/>
-          </a:xfrm>
-          <a:prstGeom prst="rect">
-            <a:avLst/>
-          </a:prstGeom>
-        </p:spPr>
-      </p:pic>
-      <p:pic>
-        <p:nvPicPr>
-          <p:cNvPr id="9" name="图片 8">
-            <a:extLst>
-              <a:ext uri="{FF2B5EF4-FFF2-40B4-BE49-F238E27FC236}">
-                <a16:creationId xmlns:a16="http://schemas.microsoft.com/office/drawing/2014/main" id="{452EFE63-8D9A-4449-5206-0025539FDB70}"/>
-              </a:ext>
-            </a:extLst>
-          </p:cNvPr>
-          <p:cNvPicPr>
-            <a:picLocks noChangeAspect="1"/>
-          </p:cNvPicPr>
-          <p:nvPr/>
-        </p:nvPicPr>
-        <p:blipFill>
-          <a:blip r:embed="rId5">
-            <a:extLst>
-              <a:ext uri="{28A0092B-C50C-407E-A947-70E740481C1C}">
-                <a14:useLocalDpi xmlns:a14="http://schemas.microsoft.com/office/drawing/2010/main" val="0"/>
-              </a:ext>
-            </a:extLst>
-          </a:blip>
-          <a:stretch>
-            <a:fillRect/>
-          </a:stretch>
-        </p:blipFill>
-        <p:spPr>
-          <a:xfrm>
-            <a:off x="6096000" y="197023"/>
-            <a:ext cx="3520602" cy="3349578"/>
-          </a:xfrm>
-          <a:prstGeom prst="rect">
-            <a:avLst/>
-          </a:prstGeom>
-        </p:spPr>
-      </p:pic>
+        </p:grpSpPr>
+        <p:pic>
+          <p:nvPicPr>
+            <p:cNvPr id="3" name="图片 2">
+              <a:extLst>
+                <a:ext uri="{FF2B5EF4-FFF2-40B4-BE49-F238E27FC236}">
+                  <a16:creationId xmlns:a16="http://schemas.microsoft.com/office/drawing/2014/main" id="{B7B0419D-320A-554B-EF44-03437FBE8AFB}"/>
+                </a:ext>
+              </a:extLst>
+            </p:cNvPr>
+            <p:cNvPicPr>
+              <a:picLocks noChangeAspect="1"/>
+            </p:cNvPicPr>
+            <p:nvPr/>
+          </p:nvPicPr>
+          <p:blipFill>
+            <a:blip r:embed="rId2">
+              <a:extLst>
+                <a:ext uri="{28A0092B-C50C-407E-A947-70E740481C1C}">
+                  <a14:useLocalDpi xmlns:a14="http://schemas.microsoft.com/office/drawing/2010/main" val="0"/>
+                </a:ext>
+              </a:extLst>
+            </a:blip>
+            <a:stretch>
+              <a:fillRect/>
+            </a:stretch>
+          </p:blipFill>
+          <p:spPr>
+            <a:xfrm>
+              <a:off x="2348347" y="463103"/>
+              <a:ext cx="3482964" cy="2357572"/>
+            </a:xfrm>
+            <a:prstGeom prst="rect">
+              <a:avLst/>
+            </a:prstGeom>
+          </p:spPr>
+        </p:pic>
+        <p:pic>
+          <p:nvPicPr>
+            <p:cNvPr id="5" name="图片 4">
+              <a:extLst>
+                <a:ext uri="{FF2B5EF4-FFF2-40B4-BE49-F238E27FC236}">
+                  <a16:creationId xmlns:a16="http://schemas.microsoft.com/office/drawing/2014/main" id="{E0AABFBD-045F-0ABD-6A58-06F5AAF4864B}"/>
+                </a:ext>
+              </a:extLst>
+            </p:cNvPr>
+            <p:cNvPicPr>
+              <a:picLocks noChangeAspect="1"/>
+            </p:cNvPicPr>
+            <p:nvPr/>
+          </p:nvPicPr>
+          <p:blipFill>
+            <a:blip r:embed="rId3">
+              <a:extLst>
+                <a:ext uri="{28A0092B-C50C-407E-A947-70E740481C1C}">
+                  <a14:useLocalDpi xmlns:a14="http://schemas.microsoft.com/office/drawing/2010/main" val="0"/>
+                </a:ext>
+              </a:extLst>
+            </a:blip>
+            <a:stretch>
+              <a:fillRect/>
+            </a:stretch>
+          </p:blipFill>
+          <p:spPr>
+            <a:xfrm>
+              <a:off x="6096000" y="3702644"/>
+              <a:ext cx="3520602" cy="3065692"/>
+            </a:xfrm>
+            <a:prstGeom prst="rect">
+              <a:avLst/>
+            </a:prstGeom>
+          </p:spPr>
+        </p:pic>
+        <p:pic>
+          <p:nvPicPr>
+            <p:cNvPr id="7" name="图片 6">
+              <a:extLst>
+                <a:ext uri="{FF2B5EF4-FFF2-40B4-BE49-F238E27FC236}">
+                  <a16:creationId xmlns:a16="http://schemas.microsoft.com/office/drawing/2014/main" id="{93659F22-7165-A278-252C-591C28ADBF4E}"/>
+                </a:ext>
+              </a:extLst>
+            </p:cNvPr>
+            <p:cNvPicPr>
+              <a:picLocks noChangeAspect="1"/>
+            </p:cNvPicPr>
+            <p:nvPr/>
+          </p:nvPicPr>
+          <p:blipFill>
+            <a:blip r:embed="rId4">
+              <a:extLst>
+                <a:ext uri="{28A0092B-C50C-407E-A947-70E740481C1C}">
+                  <a14:useLocalDpi xmlns:a14="http://schemas.microsoft.com/office/drawing/2010/main" val="0"/>
+                </a:ext>
+              </a:extLst>
+            </a:blip>
+            <a:stretch>
+              <a:fillRect/>
+            </a:stretch>
+          </p:blipFill>
+          <p:spPr>
+            <a:xfrm>
+              <a:off x="2241878" y="3042866"/>
+              <a:ext cx="3695902" cy="3725470"/>
+            </a:xfrm>
+            <a:prstGeom prst="rect">
+              <a:avLst/>
+            </a:prstGeom>
+          </p:spPr>
+        </p:pic>
+        <p:pic>
+          <p:nvPicPr>
+            <p:cNvPr id="9" name="图片 8">
+              <a:extLst>
+                <a:ext uri="{FF2B5EF4-FFF2-40B4-BE49-F238E27FC236}">
+                  <a16:creationId xmlns:a16="http://schemas.microsoft.com/office/drawing/2014/main" id="{452EFE63-8D9A-4449-5206-0025539FDB70}"/>
+                </a:ext>
+              </a:extLst>
+            </p:cNvPr>
+            <p:cNvPicPr>
+              <a:picLocks noChangeAspect="1"/>
+            </p:cNvPicPr>
+            <p:nvPr/>
+          </p:nvPicPr>
+          <p:blipFill>
+            <a:blip r:embed="rId5">
+              <a:extLst>
+                <a:ext uri="{28A0092B-C50C-407E-A947-70E740481C1C}">
+                  <a14:useLocalDpi xmlns:a14="http://schemas.microsoft.com/office/drawing/2010/main" val="0"/>
+                </a:ext>
+              </a:extLst>
+            </a:blip>
+            <a:stretch>
+              <a:fillRect/>
+            </a:stretch>
+          </p:blipFill>
+          <p:spPr>
+            <a:xfrm>
+              <a:off x="6096000" y="197023"/>
+              <a:ext cx="3520602" cy="3349578"/>
+            </a:xfrm>
+            <a:prstGeom prst="rect">
+              <a:avLst/>
+            </a:prstGeom>
+          </p:spPr>
+        </p:pic>
+      </p:grpSp>
     </p:spTree>
     <p:extLst>
       <p:ext uri="{BB962C8B-B14F-4D97-AF65-F5344CB8AC3E}">
         <p14:creationId xmlns:p14="http://schemas.microsoft.com/office/powerpoint/2010/main" val="3663284630"/>
+      </p:ext>
+    </p:extLst>
+  </p:cSld>
+  <p:clrMapOvr>
+    <a:masterClrMapping/>
+  </p:clrMapOvr>
+</p:sld>
+</file>
+
+<file path=ppt/slides/slide3.xml><?xml version="1.0" encoding="utf-8"?>
+<p:sld xmlns:a="http://schemas.openxmlformats.org/drawingml/2006/main" xmlns:r="http://schemas.openxmlformats.org/officeDocument/2006/relationships" xmlns:p="http://schemas.openxmlformats.org/presentationml/2006/main">
+  <p:cSld>
+    <p:spTree>
+      <p:nvGrpSpPr>
+        <p:cNvPr id="1" name=""/>
+        <p:cNvGrpSpPr/>
+        <p:nvPr/>
+      </p:nvGrpSpPr>
+      <p:grpSpPr>
+        <a:xfrm>
+          <a:off x="0" y="0"/>
+          <a:ext cx="0" cy="0"/>
+          <a:chOff x="0" y="0"/>
+          <a:chExt cx="0" cy="0"/>
+        </a:xfrm>
+      </p:grpSpPr>
+      <p:grpSp>
+        <p:nvGrpSpPr>
+          <p:cNvPr id="13" name="组合 12">
+            <a:extLst>
+              <a:ext uri="{FF2B5EF4-FFF2-40B4-BE49-F238E27FC236}">
+                <a16:creationId xmlns:a16="http://schemas.microsoft.com/office/drawing/2014/main" id="{E2BF566C-50B4-32D6-B942-E16134383829}"/>
+              </a:ext>
+            </a:extLst>
+          </p:cNvPr>
+          <p:cNvGrpSpPr/>
+          <p:nvPr/>
+        </p:nvGrpSpPr>
+        <p:grpSpPr>
+          <a:xfrm>
+            <a:off x="3303394" y="1019752"/>
+            <a:ext cx="8083095" cy="4559781"/>
+            <a:chOff x="3303394" y="1019752"/>
+            <a:chExt cx="8083095" cy="4559781"/>
+          </a:xfrm>
+        </p:grpSpPr>
+        <p:pic>
+          <p:nvPicPr>
+            <p:cNvPr id="3" name="图片 2">
+              <a:extLst>
+                <a:ext uri="{FF2B5EF4-FFF2-40B4-BE49-F238E27FC236}">
+                  <a16:creationId xmlns:a16="http://schemas.microsoft.com/office/drawing/2014/main" id="{69C0072D-5BC9-7D75-4DAC-510B60F5F02E}"/>
+                </a:ext>
+              </a:extLst>
+            </p:cNvPr>
+            <p:cNvPicPr>
+              <a:picLocks noChangeAspect="1"/>
+            </p:cNvPicPr>
+            <p:nvPr/>
+          </p:nvPicPr>
+          <p:blipFill>
+            <a:blip r:embed="rId2">
+              <a:extLst>
+                <a:ext uri="{28A0092B-C50C-407E-A947-70E740481C1C}">
+                  <a14:useLocalDpi xmlns:a14="http://schemas.microsoft.com/office/drawing/2010/main" val="0"/>
+                </a:ext>
+              </a:extLst>
+            </a:blip>
+            <a:stretch>
+              <a:fillRect/>
+            </a:stretch>
+          </p:blipFill>
+          <p:spPr>
+            <a:xfrm>
+              <a:off x="3939019" y="1019752"/>
+              <a:ext cx="6904762" cy="771429"/>
+            </a:xfrm>
+            <a:prstGeom prst="rect">
+              <a:avLst/>
+            </a:prstGeom>
+          </p:spPr>
+        </p:pic>
+        <p:pic>
+          <p:nvPicPr>
+            <p:cNvPr id="7" name="图片 6">
+              <a:extLst>
+                <a:ext uri="{FF2B5EF4-FFF2-40B4-BE49-F238E27FC236}">
+                  <a16:creationId xmlns:a16="http://schemas.microsoft.com/office/drawing/2014/main" id="{FF01A58F-D42E-4AEF-0EA0-55EA06188832}"/>
+                </a:ext>
+              </a:extLst>
+            </p:cNvPr>
+            <p:cNvPicPr>
+              <a:picLocks noChangeAspect="1"/>
+            </p:cNvPicPr>
+            <p:nvPr/>
+          </p:nvPicPr>
+          <p:blipFill>
+            <a:blip r:embed="rId3">
+              <a:extLst>
+                <a:ext uri="{28A0092B-C50C-407E-A947-70E740481C1C}">
+                  <a14:useLocalDpi xmlns:a14="http://schemas.microsoft.com/office/drawing/2010/main" val="0"/>
+                </a:ext>
+              </a:extLst>
+            </a:blip>
+            <a:stretch>
+              <a:fillRect/>
+            </a:stretch>
+          </p:blipFill>
+          <p:spPr>
+            <a:xfrm>
+              <a:off x="3303394" y="2184267"/>
+              <a:ext cx="2792606" cy="3395266"/>
+            </a:xfrm>
+            <a:prstGeom prst="rect">
+              <a:avLst/>
+            </a:prstGeom>
+          </p:spPr>
+        </p:pic>
+        <p:pic>
+          <p:nvPicPr>
+            <p:cNvPr id="9" name="图片 8">
+              <a:extLst>
+                <a:ext uri="{FF2B5EF4-FFF2-40B4-BE49-F238E27FC236}">
+                  <a16:creationId xmlns:a16="http://schemas.microsoft.com/office/drawing/2014/main" id="{7CDC1D2F-A4FB-1521-C837-8E5712981076}"/>
+                </a:ext>
+              </a:extLst>
+            </p:cNvPr>
+            <p:cNvPicPr>
+              <a:picLocks noChangeAspect="1"/>
+            </p:cNvPicPr>
+            <p:nvPr/>
+          </p:nvPicPr>
+          <p:blipFill>
+            <a:blip r:embed="rId4">
+              <a:extLst>
+                <a:ext uri="{28A0092B-C50C-407E-A947-70E740481C1C}">
+                  <a14:useLocalDpi xmlns:a14="http://schemas.microsoft.com/office/drawing/2010/main" val="0"/>
+                </a:ext>
+              </a:extLst>
+            </a:blip>
+            <a:stretch>
+              <a:fillRect/>
+            </a:stretch>
+          </p:blipFill>
+          <p:spPr>
+            <a:xfrm>
+              <a:off x="7615184" y="3344334"/>
+              <a:ext cx="2792606" cy="657084"/>
+            </a:xfrm>
+            <a:prstGeom prst="rect">
+              <a:avLst/>
+            </a:prstGeom>
+          </p:spPr>
+        </p:pic>
+        <p:pic>
+          <p:nvPicPr>
+            <p:cNvPr id="12" name="图片 11">
+              <a:extLst>
+                <a:ext uri="{FF2B5EF4-FFF2-40B4-BE49-F238E27FC236}">
+                  <a16:creationId xmlns:a16="http://schemas.microsoft.com/office/drawing/2014/main" id="{BDE8B4BE-C8F0-7729-9D11-3381240CB6C4}"/>
+                </a:ext>
+              </a:extLst>
+            </p:cNvPr>
+            <p:cNvPicPr>
+              <a:picLocks noChangeAspect="1"/>
+            </p:cNvPicPr>
+            <p:nvPr/>
+          </p:nvPicPr>
+          <p:blipFill>
+            <a:blip r:embed="rId5">
+              <a:extLst>
+                <a:ext uri="{28A0092B-C50C-407E-A947-70E740481C1C}">
+                  <a14:useLocalDpi xmlns:a14="http://schemas.microsoft.com/office/drawing/2010/main" val="0"/>
+                </a:ext>
+              </a:extLst>
+            </a:blip>
+            <a:stretch>
+              <a:fillRect/>
+            </a:stretch>
+          </p:blipFill>
+          <p:spPr>
+            <a:xfrm>
+              <a:off x="6624584" y="4798581"/>
+              <a:ext cx="4761905" cy="780952"/>
+            </a:xfrm>
+            <a:prstGeom prst="rect">
+              <a:avLst/>
+            </a:prstGeom>
+          </p:spPr>
+        </p:pic>
+      </p:grpSp>
+    </p:spTree>
+    <p:extLst>
+      <p:ext uri="{BB962C8B-B14F-4D97-AF65-F5344CB8AC3E}">
+        <p14:creationId xmlns:p14="http://schemas.microsoft.com/office/powerpoint/2010/main" val="2160850833"/>
+      </p:ext>
+    </p:extLst>
+  </p:cSld>
+  <p:clrMapOvr>
+    <a:masterClrMapping/>
+  </p:clrMapOvr>
+</p:sld>
+</file>
+
+<file path=ppt/slides/slide4.xml><?xml version="1.0" encoding="utf-8"?>
+<p:sld xmlns:a="http://schemas.openxmlformats.org/drawingml/2006/main" xmlns:r="http://schemas.openxmlformats.org/officeDocument/2006/relationships" xmlns:p="http://schemas.openxmlformats.org/presentationml/2006/main">
+  <p:cSld>
+    <p:spTree>
+      <p:nvGrpSpPr>
+        <p:cNvPr id="1" name=""/>
+        <p:cNvGrpSpPr/>
+        <p:nvPr/>
+      </p:nvGrpSpPr>
+      <p:grpSpPr>
+        <a:xfrm>
+          <a:off x="0" y="0"/>
+          <a:ext cx="0" cy="0"/>
+          <a:chOff x="0" y="0"/>
+          <a:chExt cx="0" cy="0"/>
+        </a:xfrm>
+      </p:grpSpPr>
+      <p:grpSp>
+        <p:nvGrpSpPr>
+          <p:cNvPr id="14" name="组合 13">
+            <a:extLst>
+              <a:ext uri="{FF2B5EF4-FFF2-40B4-BE49-F238E27FC236}">
+                <a16:creationId xmlns:a16="http://schemas.microsoft.com/office/drawing/2014/main" id="{907729E7-4748-E2F9-28C2-AA9429F56675}"/>
+              </a:ext>
+            </a:extLst>
+          </p:cNvPr>
+          <p:cNvGrpSpPr/>
+          <p:nvPr/>
+        </p:nvGrpSpPr>
+        <p:grpSpPr>
+          <a:xfrm>
+            <a:off x="2641601" y="363371"/>
+            <a:ext cx="7544180" cy="5325286"/>
+            <a:chOff x="2641601" y="363371"/>
+            <a:chExt cx="7544180" cy="5325286"/>
+          </a:xfrm>
+        </p:grpSpPr>
+        <p:pic>
+          <p:nvPicPr>
+            <p:cNvPr id="5" name="图片 4">
+              <a:extLst>
+                <a:ext uri="{FF2B5EF4-FFF2-40B4-BE49-F238E27FC236}">
+                  <a16:creationId xmlns:a16="http://schemas.microsoft.com/office/drawing/2014/main" id="{80A59BD0-86E3-8B35-86BE-DB30F950A07E}"/>
+                </a:ext>
+              </a:extLst>
+            </p:cNvPr>
+            <p:cNvPicPr>
+              <a:picLocks noChangeAspect="1"/>
+            </p:cNvPicPr>
+            <p:nvPr/>
+          </p:nvPicPr>
+          <p:blipFill>
+            <a:blip r:embed="rId2">
+              <a:extLst>
+                <a:ext uri="{28A0092B-C50C-407E-A947-70E740481C1C}">
+                  <a14:useLocalDpi xmlns:a14="http://schemas.microsoft.com/office/drawing/2010/main" val="0"/>
+                </a:ext>
+              </a:extLst>
+            </a:blip>
+            <a:stretch>
+              <a:fillRect/>
+            </a:stretch>
+          </p:blipFill>
+          <p:spPr>
+            <a:xfrm>
+              <a:off x="3881019" y="363371"/>
+              <a:ext cx="6304762" cy="1876190"/>
+            </a:xfrm>
+            <a:prstGeom prst="rect">
+              <a:avLst/>
+            </a:prstGeom>
+          </p:spPr>
+        </p:pic>
+        <p:pic>
+          <p:nvPicPr>
+            <p:cNvPr id="9" name="图片 8">
+              <a:extLst>
+                <a:ext uri="{FF2B5EF4-FFF2-40B4-BE49-F238E27FC236}">
+                  <a16:creationId xmlns:a16="http://schemas.microsoft.com/office/drawing/2014/main" id="{3F031EAE-1DD2-3441-B371-AC04E8DAC455}"/>
+                </a:ext>
+              </a:extLst>
+            </p:cNvPr>
+            <p:cNvPicPr>
+              <a:picLocks noChangeAspect="1"/>
+            </p:cNvPicPr>
+            <p:nvPr/>
+          </p:nvPicPr>
+          <p:blipFill>
+            <a:blip r:embed="rId3">
+              <a:extLst>
+                <a:ext uri="{28A0092B-C50C-407E-A947-70E740481C1C}">
+                  <a14:useLocalDpi xmlns:a14="http://schemas.microsoft.com/office/drawing/2010/main" val="0"/>
+                </a:ext>
+              </a:extLst>
+            </a:blip>
+            <a:stretch>
+              <a:fillRect/>
+            </a:stretch>
+          </p:blipFill>
+          <p:spPr>
+            <a:xfrm>
+              <a:off x="2641601" y="977042"/>
+              <a:ext cx="3454400" cy="4711615"/>
+            </a:xfrm>
+            <a:prstGeom prst="rect">
+              <a:avLst/>
+            </a:prstGeom>
+          </p:spPr>
+        </p:pic>
+        <p:pic>
+          <p:nvPicPr>
+            <p:cNvPr id="13" name="图片 12">
+              <a:extLst>
+                <a:ext uri="{FF2B5EF4-FFF2-40B4-BE49-F238E27FC236}">
+                  <a16:creationId xmlns:a16="http://schemas.microsoft.com/office/drawing/2014/main" id="{B9C8CF17-B5F0-3E0A-2612-A44E3F492B60}"/>
+                </a:ext>
+              </a:extLst>
+            </p:cNvPr>
+            <p:cNvPicPr>
+              <a:picLocks noChangeAspect="1"/>
+            </p:cNvPicPr>
+            <p:nvPr/>
+          </p:nvPicPr>
+          <p:blipFill>
+            <a:blip r:embed="rId4">
+              <a:extLst>
+                <a:ext uri="{28A0092B-C50C-407E-A947-70E740481C1C}">
+                  <a14:useLocalDpi xmlns:a14="http://schemas.microsoft.com/office/drawing/2010/main" val="0"/>
+                </a:ext>
+              </a:extLst>
+            </a:blip>
+            <a:stretch>
+              <a:fillRect/>
+            </a:stretch>
+          </p:blipFill>
+          <p:spPr>
+            <a:xfrm>
+              <a:off x="6739468" y="3691697"/>
+              <a:ext cx="3108755" cy="946143"/>
+            </a:xfrm>
+            <a:prstGeom prst="rect">
+              <a:avLst/>
+            </a:prstGeom>
+          </p:spPr>
+        </p:pic>
+      </p:grpSp>
+    </p:spTree>
+    <p:extLst>
+      <p:ext uri="{BB962C8B-B14F-4D97-AF65-F5344CB8AC3E}">
+        <p14:creationId xmlns:p14="http://schemas.microsoft.com/office/powerpoint/2010/main" val="1036687399"/>
+      </p:ext>
+    </p:extLst>
+  </p:cSld>
+  <p:clrMapOvr>
+    <a:masterClrMapping/>
+  </p:clrMapOvr>
+</p:sld>
+</file>
+
+<file path=ppt/slides/slide5.xml><?xml version="1.0" encoding="utf-8"?>
+<p:sld xmlns:a="http://schemas.openxmlformats.org/drawingml/2006/main" xmlns:r="http://schemas.openxmlformats.org/officeDocument/2006/relationships" xmlns:p="http://schemas.openxmlformats.org/presentationml/2006/main">
+  <p:cSld>
+    <p:spTree>
+      <p:nvGrpSpPr>
+        <p:cNvPr id="1" name=""/>
+        <p:cNvGrpSpPr/>
+        <p:nvPr/>
+      </p:nvGrpSpPr>
+      <p:grpSpPr>
+        <a:xfrm>
+          <a:off x="0" y="0"/>
+          <a:ext cx="0" cy="0"/>
+          <a:chOff x="0" y="0"/>
+          <a:chExt cx="0" cy="0"/>
+        </a:xfrm>
+      </p:grpSpPr>
+      <p:grpSp>
+        <p:nvGrpSpPr>
+          <p:cNvPr id="9" name="组合 8">
+            <a:extLst>
+              <a:ext uri="{FF2B5EF4-FFF2-40B4-BE49-F238E27FC236}">
+                <a16:creationId xmlns:a16="http://schemas.microsoft.com/office/drawing/2014/main" id="{12487E5F-DB52-4C96-FBE4-39FA21D61D8B}"/>
+              </a:ext>
+            </a:extLst>
+          </p:cNvPr>
+          <p:cNvGrpSpPr/>
+          <p:nvPr/>
+        </p:nvGrpSpPr>
+        <p:grpSpPr>
+          <a:xfrm>
+            <a:off x="1625072" y="768495"/>
+            <a:ext cx="10505643" cy="5321010"/>
+            <a:chOff x="1625072" y="768495"/>
+            <a:chExt cx="10505643" cy="5321010"/>
+          </a:xfrm>
+        </p:grpSpPr>
+        <p:grpSp>
+          <p:nvGrpSpPr>
+            <p:cNvPr id="6" name="组合 5">
+              <a:extLst>
+                <a:ext uri="{FF2B5EF4-FFF2-40B4-BE49-F238E27FC236}">
+                  <a16:creationId xmlns:a16="http://schemas.microsoft.com/office/drawing/2014/main" id="{DC3E9440-84CF-5DD0-D724-F8E80A0EB1C6}"/>
+                </a:ext>
+              </a:extLst>
+            </p:cNvPr>
+            <p:cNvGrpSpPr/>
+            <p:nvPr/>
+          </p:nvGrpSpPr>
+          <p:grpSpPr>
+            <a:xfrm>
+              <a:off x="1625072" y="768495"/>
+              <a:ext cx="8653110" cy="5321010"/>
+              <a:chOff x="1625072" y="768495"/>
+              <a:chExt cx="8653110" cy="5321010"/>
+            </a:xfrm>
+          </p:grpSpPr>
+          <p:pic>
+            <p:nvPicPr>
+              <p:cNvPr id="5" name="图片 4">
+                <a:extLst>
+                  <a:ext uri="{FF2B5EF4-FFF2-40B4-BE49-F238E27FC236}">
+                    <a16:creationId xmlns:a16="http://schemas.microsoft.com/office/drawing/2014/main" id="{507D1B9C-9FAE-DEA3-C95E-7D6813D959E6}"/>
+                  </a:ext>
+                </a:extLst>
+              </p:cNvPr>
+              <p:cNvPicPr>
+                <a:picLocks noChangeAspect="1"/>
+              </p:cNvPicPr>
+              <p:nvPr/>
+            </p:nvPicPr>
+            <p:blipFill>
+              <a:blip r:embed="rId2">
+                <a:extLst>
+                  <a:ext uri="{28A0092B-C50C-407E-A947-70E740481C1C}">
+                    <a14:useLocalDpi xmlns:a14="http://schemas.microsoft.com/office/drawing/2010/main" val="0"/>
+                  </a:ext>
+                </a:extLst>
+              </a:blip>
+              <a:stretch>
+                <a:fillRect/>
+              </a:stretch>
+            </p:blipFill>
+            <p:spPr>
+              <a:xfrm>
+                <a:off x="1625072" y="768495"/>
+                <a:ext cx="5214856" cy="5321010"/>
+              </a:xfrm>
+              <a:prstGeom prst="rect">
+                <a:avLst/>
+              </a:prstGeom>
+            </p:spPr>
+          </p:pic>
+          <p:pic>
+            <p:nvPicPr>
+              <p:cNvPr id="3" name="图片 2">
+                <a:extLst>
+                  <a:ext uri="{FF2B5EF4-FFF2-40B4-BE49-F238E27FC236}">
+                    <a16:creationId xmlns:a16="http://schemas.microsoft.com/office/drawing/2014/main" id="{3ECAEEEF-AACB-9544-2724-2A5B3E1E84A9}"/>
+                  </a:ext>
+                </a:extLst>
+              </p:cNvPr>
+              <p:cNvPicPr>
+                <a:picLocks noChangeAspect="1"/>
+              </p:cNvPicPr>
+              <p:nvPr/>
+            </p:nvPicPr>
+            <p:blipFill>
+              <a:blip r:embed="rId3">
+                <a:extLst>
+                  <a:ext uri="{28A0092B-C50C-407E-A947-70E740481C1C}">
+                    <a14:useLocalDpi xmlns:a14="http://schemas.microsoft.com/office/drawing/2010/main" val="0"/>
+                  </a:ext>
+                </a:extLst>
+              </a:blip>
+              <a:stretch>
+                <a:fillRect/>
+              </a:stretch>
+            </p:blipFill>
+            <p:spPr>
+              <a:xfrm>
+                <a:off x="4555066" y="918517"/>
+                <a:ext cx="5723116" cy="2667231"/>
+              </a:xfrm>
+              <a:prstGeom prst="rect">
+                <a:avLst/>
+              </a:prstGeom>
+            </p:spPr>
+          </p:pic>
+        </p:grpSp>
+        <p:pic>
+          <p:nvPicPr>
+            <p:cNvPr id="8" name="图片 7">
+              <a:extLst>
+                <a:ext uri="{FF2B5EF4-FFF2-40B4-BE49-F238E27FC236}">
+                  <a16:creationId xmlns:a16="http://schemas.microsoft.com/office/drawing/2014/main" id="{DD3EB5AC-80D4-9F96-4F9B-123874B5AC96}"/>
+                </a:ext>
+              </a:extLst>
+            </p:cNvPr>
+            <p:cNvPicPr>
+              <a:picLocks noChangeAspect="1"/>
+            </p:cNvPicPr>
+            <p:nvPr/>
+          </p:nvPicPr>
+          <p:blipFill>
+            <a:blip r:embed="rId4">
+              <a:extLst>
+                <a:ext uri="{28A0092B-C50C-407E-A947-70E740481C1C}">
+                  <a14:useLocalDpi xmlns:a14="http://schemas.microsoft.com/office/drawing/2010/main" val="0"/>
+                </a:ext>
+              </a:extLst>
+            </a:blip>
+            <a:stretch>
+              <a:fillRect/>
+            </a:stretch>
+          </p:blipFill>
+          <p:spPr>
+            <a:xfrm>
+              <a:off x="5225953" y="4143951"/>
+              <a:ext cx="6904762" cy="771429"/>
+            </a:xfrm>
+            <a:prstGeom prst="rect">
+              <a:avLst/>
+            </a:prstGeom>
+          </p:spPr>
+        </p:pic>
+      </p:grpSp>
+    </p:spTree>
+    <p:extLst>
+      <p:ext uri="{BB962C8B-B14F-4D97-AF65-F5344CB8AC3E}">
+        <p14:creationId xmlns:p14="http://schemas.microsoft.com/office/powerpoint/2010/main" val="1937691117"/>
       </p:ext>
     </p:extLst>
   </p:cSld>

--- a/2022/11-ir-expr-control/figs/figs.pptx
+++ b/2022/11-ir-expr-control/figs/figs.pptx
@@ -10,6 +10,7 @@
     <p:sldId id="259" r:id="rId4"/>
     <p:sldId id="258" r:id="rId5"/>
     <p:sldId id="260" r:id="rId6"/>
+    <p:sldId id="261" r:id="rId7"/>
   </p:sldIdLst>
   <p:sldSz cx="12192000" cy="6858000"/>
   <p:notesSz cx="6858000" cy="9144000"/>
@@ -263,7 +264,7 @@
           <a:p>
             <a:fld id="{7B069BFE-9A4E-455C-9318-9432F7BAB5B6}" type="datetimeFigureOut">
               <a:rPr lang="zh-CN" altLang="en-US" smtClean="0"/>
-              <a:t>2022/12/25</a:t>
+              <a:t>2022/12/28</a:t>
             </a:fld>
             <a:endParaRPr lang="zh-CN" altLang="en-US"/>
           </a:p>
@@ -461,7 +462,7 @@
           <a:p>
             <a:fld id="{7B069BFE-9A4E-455C-9318-9432F7BAB5B6}" type="datetimeFigureOut">
               <a:rPr lang="zh-CN" altLang="en-US" smtClean="0"/>
-              <a:t>2022/12/25</a:t>
+              <a:t>2022/12/28</a:t>
             </a:fld>
             <a:endParaRPr lang="zh-CN" altLang="en-US"/>
           </a:p>
@@ -669,7 +670,7 @@
           <a:p>
             <a:fld id="{7B069BFE-9A4E-455C-9318-9432F7BAB5B6}" type="datetimeFigureOut">
               <a:rPr lang="zh-CN" altLang="en-US" smtClean="0"/>
-              <a:t>2022/12/25</a:t>
+              <a:t>2022/12/28</a:t>
             </a:fld>
             <a:endParaRPr lang="zh-CN" altLang="en-US"/>
           </a:p>
@@ -867,7 +868,7 @@
           <a:p>
             <a:fld id="{7B069BFE-9A4E-455C-9318-9432F7BAB5B6}" type="datetimeFigureOut">
               <a:rPr lang="zh-CN" altLang="en-US" smtClean="0"/>
-              <a:t>2022/12/25</a:t>
+              <a:t>2022/12/28</a:t>
             </a:fld>
             <a:endParaRPr lang="zh-CN" altLang="en-US"/>
           </a:p>
@@ -1142,7 +1143,7 @@
           <a:p>
             <a:fld id="{7B069BFE-9A4E-455C-9318-9432F7BAB5B6}" type="datetimeFigureOut">
               <a:rPr lang="zh-CN" altLang="en-US" smtClean="0"/>
-              <a:t>2022/12/25</a:t>
+              <a:t>2022/12/28</a:t>
             </a:fld>
             <a:endParaRPr lang="zh-CN" altLang="en-US"/>
           </a:p>
@@ -1407,7 +1408,7 @@
           <a:p>
             <a:fld id="{7B069BFE-9A4E-455C-9318-9432F7BAB5B6}" type="datetimeFigureOut">
               <a:rPr lang="zh-CN" altLang="en-US" smtClean="0"/>
-              <a:t>2022/12/25</a:t>
+              <a:t>2022/12/28</a:t>
             </a:fld>
             <a:endParaRPr lang="zh-CN" altLang="en-US"/>
           </a:p>
@@ -1819,7 +1820,7 @@
           <a:p>
             <a:fld id="{7B069BFE-9A4E-455C-9318-9432F7BAB5B6}" type="datetimeFigureOut">
               <a:rPr lang="zh-CN" altLang="en-US" smtClean="0"/>
-              <a:t>2022/12/25</a:t>
+              <a:t>2022/12/28</a:t>
             </a:fld>
             <a:endParaRPr lang="zh-CN" altLang="en-US"/>
           </a:p>
@@ -1960,7 +1961,7 @@
           <a:p>
             <a:fld id="{7B069BFE-9A4E-455C-9318-9432F7BAB5B6}" type="datetimeFigureOut">
               <a:rPr lang="zh-CN" altLang="en-US" smtClean="0"/>
-              <a:t>2022/12/25</a:t>
+              <a:t>2022/12/28</a:t>
             </a:fld>
             <a:endParaRPr lang="zh-CN" altLang="en-US"/>
           </a:p>
@@ -2073,7 +2074,7 @@
           <a:p>
             <a:fld id="{7B069BFE-9A4E-455C-9318-9432F7BAB5B6}" type="datetimeFigureOut">
               <a:rPr lang="zh-CN" altLang="en-US" smtClean="0"/>
-              <a:t>2022/12/25</a:t>
+              <a:t>2022/12/28</a:t>
             </a:fld>
             <a:endParaRPr lang="zh-CN" altLang="en-US"/>
           </a:p>
@@ -2384,7 +2385,7 @@
           <a:p>
             <a:fld id="{7B069BFE-9A4E-455C-9318-9432F7BAB5B6}" type="datetimeFigureOut">
               <a:rPr lang="zh-CN" altLang="en-US" smtClean="0"/>
-              <a:t>2022/12/25</a:t>
+              <a:t>2022/12/28</a:t>
             </a:fld>
             <a:endParaRPr lang="zh-CN" altLang="en-US"/>
           </a:p>
@@ -2672,7 +2673,7 @@
           <a:p>
             <a:fld id="{7B069BFE-9A4E-455C-9318-9432F7BAB5B6}" type="datetimeFigureOut">
               <a:rPr lang="zh-CN" altLang="en-US" smtClean="0"/>
-              <a:t>2022/12/25</a:t>
+              <a:t>2022/12/28</a:t>
             </a:fld>
             <a:endParaRPr lang="zh-CN" altLang="en-US"/>
           </a:p>
@@ -2913,7 +2914,7 @@
           <a:p>
             <a:fld id="{7B069BFE-9A4E-455C-9318-9432F7BAB5B6}" type="datetimeFigureOut">
               <a:rPr lang="zh-CN" altLang="en-US" smtClean="0"/>
-              <a:t>2022/12/25</a:t>
+              <a:t>2022/12/28</a:t>
             </a:fld>
             <a:endParaRPr lang="zh-CN" altLang="en-US"/>
           </a:p>
@@ -4165,6 +4166,165 @@
 </p:sld>
 </file>
 
+<file path=ppt/slides/slide6.xml><?xml version="1.0" encoding="utf-8"?>
+<p:sld xmlns:a="http://schemas.openxmlformats.org/drawingml/2006/main" xmlns:r="http://schemas.openxmlformats.org/officeDocument/2006/relationships" xmlns:p="http://schemas.openxmlformats.org/presentationml/2006/main">
+  <p:cSld>
+    <p:spTree>
+      <p:nvGrpSpPr>
+        <p:cNvPr id="1" name=""/>
+        <p:cNvGrpSpPr/>
+        <p:nvPr/>
+      </p:nvGrpSpPr>
+      <p:grpSpPr>
+        <a:xfrm>
+          <a:off x="0" y="0"/>
+          <a:ext cx="0" cy="0"/>
+          <a:chOff x="0" y="0"/>
+          <a:chExt cx="0" cy="0"/>
+        </a:xfrm>
+      </p:grpSpPr>
+      <p:grpSp>
+        <p:nvGrpSpPr>
+          <p:cNvPr id="9" name="组合 8">
+            <a:extLst>
+              <a:ext uri="{FF2B5EF4-FFF2-40B4-BE49-F238E27FC236}">
+                <a16:creationId xmlns:a16="http://schemas.microsoft.com/office/drawing/2014/main" id="{CD763ED5-93FC-F844-D3E8-9F9A4F1F3F1E}"/>
+              </a:ext>
+            </a:extLst>
+          </p:cNvPr>
+          <p:cNvGrpSpPr/>
+          <p:nvPr/>
+        </p:nvGrpSpPr>
+        <p:grpSpPr>
+          <a:xfrm>
+            <a:off x="1106035" y="412867"/>
+            <a:ext cx="8468221" cy="5441926"/>
+            <a:chOff x="1106035" y="412867"/>
+            <a:chExt cx="8468221" cy="5441926"/>
+          </a:xfrm>
+        </p:grpSpPr>
+        <p:pic>
+          <p:nvPicPr>
+            <p:cNvPr id="3" name="图片 2">
+              <a:extLst>
+                <a:ext uri="{FF2B5EF4-FFF2-40B4-BE49-F238E27FC236}">
+                  <a16:creationId xmlns:a16="http://schemas.microsoft.com/office/drawing/2014/main" id="{BC4583EA-4FF1-75BB-A0D1-81796BA545B6}"/>
+                </a:ext>
+              </a:extLst>
+            </p:cNvPr>
+            <p:cNvPicPr>
+              <a:picLocks noChangeAspect="1"/>
+            </p:cNvPicPr>
+            <p:nvPr/>
+          </p:nvPicPr>
+          <p:blipFill>
+            <a:blip r:embed="rId2">
+              <a:extLst>
+                <a:ext uri="{28A0092B-C50C-407E-A947-70E740481C1C}">
+                  <a14:useLocalDpi xmlns:a14="http://schemas.microsoft.com/office/drawing/2010/main" val="0"/>
+                </a:ext>
+              </a:extLst>
+            </a:blip>
+            <a:stretch>
+              <a:fillRect/>
+            </a:stretch>
+          </p:blipFill>
+          <p:spPr>
+            <a:xfrm>
+              <a:off x="2972190" y="412867"/>
+              <a:ext cx="6247619" cy="1866667"/>
+            </a:xfrm>
+            <a:prstGeom prst="rect">
+              <a:avLst/>
+            </a:prstGeom>
+          </p:spPr>
+        </p:pic>
+        <p:pic>
+          <p:nvPicPr>
+            <p:cNvPr id="7" name="图片 6">
+              <a:extLst>
+                <a:ext uri="{FF2B5EF4-FFF2-40B4-BE49-F238E27FC236}">
+                  <a16:creationId xmlns:a16="http://schemas.microsoft.com/office/drawing/2014/main" id="{E0706B4B-E149-FFDA-452C-3587C2FF1C55}"/>
+                </a:ext>
+              </a:extLst>
+            </p:cNvPr>
+            <p:cNvPicPr>
+              <a:picLocks noChangeAspect="1"/>
+            </p:cNvPicPr>
+            <p:nvPr/>
+          </p:nvPicPr>
+          <p:blipFill>
+            <a:blip r:embed="rId3">
+              <a:extLst>
+                <a:ext uri="{28A0092B-C50C-407E-A947-70E740481C1C}">
+                  <a14:useLocalDpi xmlns:a14="http://schemas.microsoft.com/office/drawing/2010/main" val="0"/>
+                </a:ext>
+              </a:extLst>
+            </a:blip>
+            <a:stretch>
+              <a:fillRect/>
+            </a:stretch>
+          </p:blipFill>
+          <p:spPr>
+            <a:xfrm>
+              <a:off x="5340145" y="3428999"/>
+              <a:ext cx="4234111" cy="614529"/>
+            </a:xfrm>
+            <a:prstGeom prst="rect">
+              <a:avLst/>
+            </a:prstGeom>
+          </p:spPr>
+        </p:pic>
+        <p:pic>
+          <p:nvPicPr>
+            <p:cNvPr id="5" name="图片 4">
+              <a:extLst>
+                <a:ext uri="{FF2B5EF4-FFF2-40B4-BE49-F238E27FC236}">
+                  <a16:creationId xmlns:a16="http://schemas.microsoft.com/office/drawing/2014/main" id="{7781D994-DCDD-33BB-501F-5CA394BC5D19}"/>
+                </a:ext>
+              </a:extLst>
+            </p:cNvPr>
+            <p:cNvPicPr>
+              <a:picLocks noChangeAspect="1"/>
+            </p:cNvPicPr>
+            <p:nvPr/>
+          </p:nvPicPr>
+          <p:blipFill>
+            <a:blip r:embed="rId4">
+              <a:extLst>
+                <a:ext uri="{28A0092B-C50C-407E-A947-70E740481C1C}">
+                  <a14:useLocalDpi xmlns:a14="http://schemas.microsoft.com/office/drawing/2010/main" val="0"/>
+                </a:ext>
+              </a:extLst>
+            </a:blip>
+            <a:stretch>
+              <a:fillRect/>
+            </a:stretch>
+          </p:blipFill>
+          <p:spPr>
+            <a:xfrm>
+              <a:off x="1106035" y="1003206"/>
+              <a:ext cx="4234110" cy="4851587"/>
+            </a:xfrm>
+            <a:prstGeom prst="rect">
+              <a:avLst/>
+            </a:prstGeom>
+          </p:spPr>
+        </p:pic>
+      </p:grpSp>
+    </p:spTree>
+    <p:extLst>
+      <p:ext uri="{BB962C8B-B14F-4D97-AF65-F5344CB8AC3E}">
+        <p14:creationId xmlns:p14="http://schemas.microsoft.com/office/powerpoint/2010/main" val="3675740226"/>
+      </p:ext>
+    </p:extLst>
+  </p:cSld>
+  <p:clrMapOvr>
+    <a:masterClrMapping/>
+  </p:clrMapOvr>
+</p:sld>
+</file>
+
 <file path=ppt/theme/theme1.xml><?xml version="1.0" encoding="utf-8"?>
 <a:theme xmlns:a="http://schemas.openxmlformats.org/drawingml/2006/main" name="Office 主题​​">
   <a:themeElements>
